--- a/UnitTests/ComparingMethodsTest/TestFiles/FontComparison/Original/1_f.pptx
+++ b/UnitTests/ComparingMethodsTest/TestFiles/FontComparison/Original/1_f.pptx
@@ -107,6 +107,11 @@
       </a:defRPr>
     </a:lvl9pPr>
   </p:defaultTextStyle>
+  <p:extLst>
+    <p:ext uri="{EFAFB233-063F-42B5-8137-9DF3F51BA10A}">
+      <p15:sldGuideLst xmlns:p15="http://schemas.microsoft.com/office/powerpoint/2012/main"/>
+    </p:ext>
+  </p:extLst>
 </p:presentation>
 </file>
 
@@ -259,7 +264,7 @@
           <a:p>
             <a:fld id="{C1F6139A-E09C-487E-89B7-2481159F71B2}" type="datetimeFigureOut">
               <a:rPr lang="nb-NO" smtClean="0"/>
-              <a:t>21.03.2025</a:t>
+              <a:t>27.03.2025</a:t>
             </a:fld>
             <a:endParaRPr lang="nb-NO"/>
           </a:p>
@@ -459,7 +464,7 @@
           <a:p>
             <a:fld id="{C1F6139A-E09C-487E-89B7-2481159F71B2}" type="datetimeFigureOut">
               <a:rPr lang="nb-NO" smtClean="0"/>
-              <a:t>21.03.2025</a:t>
+              <a:t>27.03.2025</a:t>
             </a:fld>
             <a:endParaRPr lang="nb-NO"/>
           </a:p>
@@ -669,7 +674,7 @@
           <a:p>
             <a:fld id="{C1F6139A-E09C-487E-89B7-2481159F71B2}" type="datetimeFigureOut">
               <a:rPr lang="nb-NO" smtClean="0"/>
-              <a:t>21.03.2025</a:t>
+              <a:t>27.03.2025</a:t>
             </a:fld>
             <a:endParaRPr lang="nb-NO"/>
           </a:p>
@@ -891,7 +896,7 @@
           <a:p>
             <a:fld id="{75A4CA9F-8ACF-44C9-AA3B-B865E9BBCC76}" type="datetimeFigureOut">
               <a:rPr lang="nb-NO" smtClean="0"/>
-              <a:t>21.03.2025</a:t>
+              <a:t>27.03.2025</a:t>
             </a:fld>
             <a:endParaRPr lang="nb-NO"/>
           </a:p>
@@ -1091,7 +1096,7 @@
           <a:p>
             <a:fld id="{75A4CA9F-8ACF-44C9-AA3B-B865E9BBCC76}" type="datetimeFigureOut">
               <a:rPr lang="nb-NO" smtClean="0"/>
-              <a:t>21.03.2025</a:t>
+              <a:t>27.03.2025</a:t>
             </a:fld>
             <a:endParaRPr lang="nb-NO"/>
           </a:p>
@@ -1367,7 +1372,7 @@
           <a:p>
             <a:fld id="{75A4CA9F-8ACF-44C9-AA3B-B865E9BBCC76}" type="datetimeFigureOut">
               <a:rPr lang="nb-NO" smtClean="0"/>
-              <a:t>21.03.2025</a:t>
+              <a:t>27.03.2025</a:t>
             </a:fld>
             <a:endParaRPr lang="nb-NO"/>
           </a:p>
@@ -1635,7 +1640,7 @@
           <a:p>
             <a:fld id="{75A4CA9F-8ACF-44C9-AA3B-B865E9BBCC76}" type="datetimeFigureOut">
               <a:rPr lang="nb-NO" smtClean="0"/>
-              <a:t>21.03.2025</a:t>
+              <a:t>27.03.2025</a:t>
             </a:fld>
             <a:endParaRPr lang="nb-NO"/>
           </a:p>
@@ -2050,7 +2055,7 @@
           <a:p>
             <a:fld id="{75A4CA9F-8ACF-44C9-AA3B-B865E9BBCC76}" type="datetimeFigureOut">
               <a:rPr lang="nb-NO" smtClean="0"/>
-              <a:t>21.03.2025</a:t>
+              <a:t>27.03.2025</a:t>
             </a:fld>
             <a:endParaRPr lang="nb-NO"/>
           </a:p>
@@ -2192,7 +2197,7 @@
           <a:p>
             <a:fld id="{75A4CA9F-8ACF-44C9-AA3B-B865E9BBCC76}" type="datetimeFigureOut">
               <a:rPr lang="nb-NO" smtClean="0"/>
-              <a:t>21.03.2025</a:t>
+              <a:t>27.03.2025</a:t>
             </a:fld>
             <a:endParaRPr lang="nb-NO"/>
           </a:p>
@@ -2305,7 +2310,7 @@
           <a:p>
             <a:fld id="{75A4CA9F-8ACF-44C9-AA3B-B865E9BBCC76}" type="datetimeFigureOut">
               <a:rPr lang="nb-NO" smtClean="0"/>
-              <a:t>21.03.2025</a:t>
+              <a:t>27.03.2025</a:t>
             </a:fld>
             <a:endParaRPr lang="nb-NO"/>
           </a:p>
@@ -2618,7 +2623,7 @@
           <a:p>
             <a:fld id="{75A4CA9F-8ACF-44C9-AA3B-B865E9BBCC76}" type="datetimeFigureOut">
               <a:rPr lang="nb-NO" smtClean="0"/>
-              <a:t>21.03.2025</a:t>
+              <a:t>27.03.2025</a:t>
             </a:fld>
             <a:endParaRPr lang="nb-NO"/>
           </a:p>
@@ -2818,7 +2823,7 @@
           <a:p>
             <a:fld id="{C1F6139A-E09C-487E-89B7-2481159F71B2}" type="datetimeFigureOut">
               <a:rPr lang="nb-NO" smtClean="0"/>
-              <a:t>21.03.2025</a:t>
+              <a:t>27.03.2025</a:t>
             </a:fld>
             <a:endParaRPr lang="nb-NO"/>
           </a:p>
@@ -3107,7 +3112,7 @@
           <a:p>
             <a:fld id="{75A4CA9F-8ACF-44C9-AA3B-B865E9BBCC76}" type="datetimeFigureOut">
               <a:rPr lang="nb-NO" smtClean="0"/>
-              <a:t>21.03.2025</a:t>
+              <a:t>27.03.2025</a:t>
             </a:fld>
             <a:endParaRPr lang="nb-NO"/>
           </a:p>
@@ -3307,7 +3312,7 @@
           <a:p>
             <a:fld id="{75A4CA9F-8ACF-44C9-AA3B-B865E9BBCC76}" type="datetimeFigureOut">
               <a:rPr lang="nb-NO" smtClean="0"/>
-              <a:t>21.03.2025</a:t>
+              <a:t>27.03.2025</a:t>
             </a:fld>
             <a:endParaRPr lang="nb-NO"/>
           </a:p>
@@ -3517,7 +3522,7 @@
           <a:p>
             <a:fld id="{75A4CA9F-8ACF-44C9-AA3B-B865E9BBCC76}" type="datetimeFigureOut">
               <a:rPr lang="nb-NO" smtClean="0"/>
-              <a:t>21.03.2025</a:t>
+              <a:t>27.03.2025</a:t>
             </a:fld>
             <a:endParaRPr lang="nb-NO"/>
           </a:p>
@@ -3776,7 +3781,7 @@
           <a:p>
             <a:fld id="{75A4CA9F-8ACF-44C9-AA3B-B865E9BBCC76}" type="datetimeFigureOut">
               <a:rPr lang="nb-NO" smtClean="0"/>
-              <a:t>21.03.2025</a:t>
+              <a:t>27.03.2025</a:t>
             </a:fld>
             <a:endParaRPr lang="nb-NO"/>
           </a:p>
@@ -3946,7 +3951,7 @@
           <a:p>
             <a:fld id="{75A4CA9F-8ACF-44C9-AA3B-B865E9BBCC76}" type="datetimeFigureOut">
               <a:rPr lang="nb-NO" smtClean="0"/>
-              <a:t>21.03.2025</a:t>
+              <a:t>27.03.2025</a:t>
             </a:fld>
             <a:endParaRPr lang="nb-NO"/>
           </a:p>
@@ -4193,7 +4198,7 @@
           <a:p>
             <a:fld id="{75A4CA9F-8ACF-44C9-AA3B-B865E9BBCC76}" type="datetimeFigureOut">
               <a:rPr lang="nb-NO" smtClean="0"/>
-              <a:t>21.03.2025</a:t>
+              <a:t>27.03.2025</a:t>
             </a:fld>
             <a:endParaRPr lang="nb-NO"/>
           </a:p>
@@ -4485,7 +4490,7 @@
           <a:p>
             <a:fld id="{75A4CA9F-8ACF-44C9-AA3B-B865E9BBCC76}" type="datetimeFigureOut">
               <a:rPr lang="nb-NO" smtClean="0"/>
-              <a:t>21.03.2025</a:t>
+              <a:t>27.03.2025</a:t>
             </a:fld>
             <a:endParaRPr lang="nb-NO"/>
           </a:p>
@@ -4929,7 +4934,7 @@
           <a:p>
             <a:fld id="{75A4CA9F-8ACF-44C9-AA3B-B865E9BBCC76}" type="datetimeFigureOut">
               <a:rPr lang="nb-NO" smtClean="0"/>
-              <a:t>21.03.2025</a:t>
+              <a:t>27.03.2025</a:t>
             </a:fld>
             <a:endParaRPr lang="nb-NO"/>
           </a:p>
@@ -5047,7 +5052,7 @@
           <a:p>
             <a:fld id="{75A4CA9F-8ACF-44C9-AA3B-B865E9BBCC76}" type="datetimeFigureOut">
               <a:rPr lang="nb-NO" smtClean="0"/>
-              <a:t>21.03.2025</a:t>
+              <a:t>27.03.2025</a:t>
             </a:fld>
             <a:endParaRPr lang="nb-NO"/>
           </a:p>
@@ -5142,7 +5147,7 @@
           <a:p>
             <a:fld id="{75A4CA9F-8ACF-44C9-AA3B-B865E9BBCC76}" type="datetimeFigureOut">
               <a:rPr lang="nb-NO" smtClean="0"/>
-              <a:t>21.03.2025</a:t>
+              <a:t>27.03.2025</a:t>
             </a:fld>
             <a:endParaRPr lang="nb-NO"/>
           </a:p>
@@ -5406,7 +5411,7 @@
           <a:p>
             <a:fld id="{C1F6139A-E09C-487E-89B7-2481159F71B2}" type="datetimeFigureOut">
               <a:rPr lang="nb-NO" smtClean="0"/>
-              <a:t>21.03.2025</a:t>
+              <a:t>27.03.2025</a:t>
             </a:fld>
             <a:endParaRPr lang="nb-NO"/>
           </a:p>
@@ -5697,7 +5702,7 @@
           <a:p>
             <a:fld id="{75A4CA9F-8ACF-44C9-AA3B-B865E9BBCC76}" type="datetimeFigureOut">
               <a:rPr lang="nb-NO" smtClean="0"/>
-              <a:t>21.03.2025</a:t>
+              <a:t>27.03.2025</a:t>
             </a:fld>
             <a:endParaRPr lang="nb-NO"/>
           </a:p>
@@ -5972,7 +5977,7 @@
           <a:p>
             <a:fld id="{75A4CA9F-8ACF-44C9-AA3B-B865E9BBCC76}" type="datetimeFigureOut">
               <a:rPr lang="nb-NO" smtClean="0"/>
-              <a:t>21.03.2025</a:t>
+              <a:t>27.03.2025</a:t>
             </a:fld>
             <a:endParaRPr lang="nb-NO"/>
           </a:p>
@@ -6247,7 +6252,7 @@
           <a:p>
             <a:fld id="{75A4CA9F-8ACF-44C9-AA3B-B865E9BBCC76}" type="datetimeFigureOut">
               <a:rPr lang="nb-NO" smtClean="0"/>
-              <a:t>21.03.2025</a:t>
+              <a:t>27.03.2025</a:t>
             </a:fld>
             <a:endParaRPr lang="nb-NO"/>
           </a:p>
@@ -6441,7 +6446,7 @@
           <a:p>
             <a:fld id="{75A4CA9F-8ACF-44C9-AA3B-B865E9BBCC76}" type="datetimeFigureOut">
               <a:rPr lang="nb-NO" smtClean="0"/>
-              <a:t>21.03.2025</a:t>
+              <a:t>27.03.2025</a:t>
             </a:fld>
             <a:endParaRPr lang="nb-NO"/>
           </a:p>
@@ -6714,7 +6719,7 @@
           <a:p>
             <a:fld id="{75A4CA9F-8ACF-44C9-AA3B-B865E9BBCC76}" type="datetimeFigureOut">
               <a:rPr lang="nb-NO" smtClean="0"/>
-              <a:t>21.03.2025</a:t>
+              <a:t>27.03.2025</a:t>
             </a:fld>
             <a:endParaRPr lang="nb-NO"/>
           </a:p>
@@ -7055,7 +7060,7 @@
           <a:p>
             <a:fld id="{75A4CA9F-8ACF-44C9-AA3B-B865E9BBCC76}" type="datetimeFigureOut">
               <a:rPr lang="nb-NO" smtClean="0"/>
-              <a:t>21.03.2025</a:t>
+              <a:t>27.03.2025</a:t>
             </a:fld>
             <a:endParaRPr lang="nb-NO"/>
           </a:p>
@@ -7678,7 +7683,7 @@
           <a:p>
             <a:fld id="{75A4CA9F-8ACF-44C9-AA3B-B865E9BBCC76}" type="datetimeFigureOut">
               <a:rPr lang="nb-NO" smtClean="0"/>
-              <a:t>21.03.2025</a:t>
+              <a:t>27.03.2025</a:t>
             </a:fld>
             <a:endParaRPr lang="nb-NO"/>
           </a:p>
@@ -8538,7 +8543,7 @@
           <a:p>
             <a:fld id="{75A4CA9F-8ACF-44C9-AA3B-B865E9BBCC76}" type="datetimeFigureOut">
               <a:rPr lang="nb-NO" smtClean="0"/>
-              <a:t>21.03.2025</a:t>
+              <a:t>27.03.2025</a:t>
             </a:fld>
             <a:endParaRPr lang="nb-NO"/>
           </a:p>
@@ -8708,7 +8713,7 @@
           <a:p>
             <a:fld id="{75A4CA9F-8ACF-44C9-AA3B-B865E9BBCC76}" type="datetimeFigureOut">
               <a:rPr lang="nb-NO" smtClean="0"/>
-              <a:t>21.03.2025</a:t>
+              <a:t>27.03.2025</a:t>
             </a:fld>
             <a:endParaRPr lang="nb-NO"/>
           </a:p>
@@ -8888,7 +8893,7 @@
           <a:p>
             <a:fld id="{75A4CA9F-8ACF-44C9-AA3B-B865E9BBCC76}" type="datetimeFigureOut">
               <a:rPr lang="nb-NO" smtClean="0"/>
-              <a:t>21.03.2025</a:t>
+              <a:t>27.03.2025</a:t>
             </a:fld>
             <a:endParaRPr lang="nb-NO"/>
           </a:p>
@@ -9144,7 +9149,7 @@
           <a:p>
             <a:fld id="{C1F6139A-E09C-487E-89B7-2481159F71B2}" type="datetimeFigureOut">
               <a:rPr lang="nb-NO" smtClean="0"/>
-              <a:t>21.03.2025</a:t>
+              <a:t>27.03.2025</a:t>
             </a:fld>
             <a:endParaRPr lang="nb-NO"/>
           </a:p>
@@ -9559,7 +9564,7 @@
           <a:p>
             <a:fld id="{C1F6139A-E09C-487E-89B7-2481159F71B2}" type="datetimeFigureOut">
               <a:rPr lang="nb-NO" smtClean="0"/>
-              <a:t>21.03.2025</a:t>
+              <a:t>27.03.2025</a:t>
             </a:fld>
             <a:endParaRPr lang="nb-NO"/>
           </a:p>
@@ -9701,7 +9706,7 @@
           <a:p>
             <a:fld id="{C1F6139A-E09C-487E-89B7-2481159F71B2}" type="datetimeFigureOut">
               <a:rPr lang="nb-NO" smtClean="0"/>
-              <a:t>21.03.2025</a:t>
+              <a:t>27.03.2025</a:t>
             </a:fld>
             <a:endParaRPr lang="nb-NO"/>
           </a:p>
@@ -9814,7 +9819,7 @@
           <a:p>
             <a:fld id="{C1F6139A-E09C-487E-89B7-2481159F71B2}" type="datetimeFigureOut">
               <a:rPr lang="nb-NO" smtClean="0"/>
-              <a:t>21.03.2025</a:t>
+              <a:t>27.03.2025</a:t>
             </a:fld>
             <a:endParaRPr lang="nb-NO"/>
           </a:p>
@@ -10127,7 +10132,7 @@
           <a:p>
             <a:fld id="{C1F6139A-E09C-487E-89B7-2481159F71B2}" type="datetimeFigureOut">
               <a:rPr lang="nb-NO" smtClean="0"/>
-              <a:t>21.03.2025</a:t>
+              <a:t>27.03.2025</a:t>
             </a:fld>
             <a:endParaRPr lang="nb-NO"/>
           </a:p>
@@ -10416,7 +10421,7 @@
           <a:p>
             <a:fld id="{C1F6139A-E09C-487E-89B7-2481159F71B2}" type="datetimeFigureOut">
               <a:rPr lang="nb-NO" smtClean="0"/>
-              <a:t>21.03.2025</a:t>
+              <a:t>27.03.2025</a:t>
             </a:fld>
             <a:endParaRPr lang="nb-NO"/>
           </a:p>
@@ -10659,7 +10664,7 @@
           <a:p>
             <a:fld id="{C1F6139A-E09C-487E-89B7-2481159F71B2}" type="datetimeFigureOut">
               <a:rPr lang="nb-NO" smtClean="0"/>
-              <a:t>21.03.2025</a:t>
+              <a:t>27.03.2025</a:t>
             </a:fld>
             <a:endParaRPr lang="nb-NO"/>
           </a:p>
@@ -11229,7 +11234,7 @@
           <a:p>
             <a:fld id="{75A4CA9F-8ACF-44C9-AA3B-B865E9BBCC76}" type="datetimeFigureOut">
               <a:rPr lang="nb-NO" smtClean="0"/>
-              <a:t>21.03.2025</a:t>
+              <a:t>27.03.2025</a:t>
             </a:fld>
             <a:endParaRPr lang="nb-NO"/>
           </a:p>
@@ -11996,7 +12001,7 @@
           <a:p>
             <a:fld id="{C1F6139A-E09C-487E-89B7-2481159F71B2}" type="datetimeFigureOut">
               <a:rPr lang="nb-NO" smtClean="0"/>
-              <a:t>21.03.2025</a:t>
+              <a:t>27.03.2025</a:t>
             </a:fld>
             <a:endParaRPr lang="nb-NO"/>
           </a:p>
@@ -12547,7 +12552,7 @@
           <a:p>
             <a:r>
               <a:rPr lang="nb-NO" dirty="0" err="1"/>
-              <a:t>AptosDisplay</a:t>
+              <a:t>NonConvertableFont</a:t>
             </a:r>
             <a:endParaRPr lang="nb-NO" dirty="0"/>
           </a:p>
@@ -12580,7 +12585,7 @@
           <a:p>
             <a:r>
               <a:rPr lang="nb-NO" dirty="0" err="1"/>
-              <a:t>Aptos</a:t>
+              <a:t>NonConvertableFont</a:t>
             </a:r>
             <a:endParaRPr lang="nb-NO" dirty="0"/>
           </a:p>
